--- a/doc/PJ2_Presentation_mid.pptx
+++ b/doc/PJ2_Presentation_mid.pptx
@@ -5,7 +5,7 @@
     <p:sldMasterId id="2147483660" r:id="rId1"/>
   </p:sldMasterIdLst>
   <p:notesMasterIdLst>
-    <p:notesMasterId r:id="rId39"/>
+    <p:notesMasterId r:id="rId41"/>
   </p:notesMasterIdLst>
   <p:sldIdLst>
     <p:sldId id="257" r:id="rId2"/>
@@ -36,15 +36,17 @@
     <p:sldId id="293" r:id="rId27"/>
     <p:sldId id="288" r:id="rId28"/>
     <p:sldId id="295" r:id="rId29"/>
-    <p:sldId id="261" r:id="rId30"/>
-    <p:sldId id="275" r:id="rId31"/>
-    <p:sldId id="263" r:id="rId32"/>
-    <p:sldId id="279" r:id="rId33"/>
-    <p:sldId id="290" r:id="rId34"/>
-    <p:sldId id="292" r:id="rId35"/>
-    <p:sldId id="277" r:id="rId36"/>
-    <p:sldId id="278" r:id="rId37"/>
-    <p:sldId id="297" r:id="rId38"/>
+    <p:sldId id="298" r:id="rId30"/>
+    <p:sldId id="299" r:id="rId31"/>
+    <p:sldId id="261" r:id="rId32"/>
+    <p:sldId id="275" r:id="rId33"/>
+    <p:sldId id="263" r:id="rId34"/>
+    <p:sldId id="279" r:id="rId35"/>
+    <p:sldId id="290" r:id="rId36"/>
+    <p:sldId id="292" r:id="rId37"/>
+    <p:sldId id="277" r:id="rId38"/>
+    <p:sldId id="278" r:id="rId39"/>
+    <p:sldId id="297" r:id="rId40"/>
   </p:sldIdLst>
   <p:sldSz cx="9144000" cy="6858000" type="screen4x3"/>
   <p:notesSz cx="6858000" cy="9144000"/>
@@ -2216,7 +2218,7 @@
           <a:p>
             <a:fld id="{9B9A37A8-D5FE-47B9-8EF0-950E4903B048}" type="slidenum">
               <a:rPr lang="th-TH" smtClean="0"/>
-              <a:t>30</a:t>
+              <a:t>29</a:t>
             </a:fld>
             <a:endParaRPr lang="th-TH"/>
           </a:p>
@@ -2225,7 +2227,7 @@
     </p:spTree>
     <p:extLst>
       <p:ext uri="{BB962C8B-B14F-4D97-AF65-F5344CB8AC3E}">
-        <p14:creationId xmlns:p14="http://schemas.microsoft.com/office/powerpoint/2010/main" val="628937798"/>
+        <p14:creationId xmlns:p14="http://schemas.microsoft.com/office/powerpoint/2010/main" val="2528923507"/>
       </p:ext>
     </p:extLst>
   </p:cSld>
@@ -2254,7 +2256,7 @@
       </p:grpSpPr>
       <p:sp>
         <p:nvSpPr>
-          <p:cNvPr id="2" name="Slide Image Placeholder 1"/>
+          <p:cNvPr id="2" name="ตัวแทนรูปบนสไลด์ 1"/>
           <p:cNvSpPr>
             <a:spLocks noGrp="1" noRot="1" noChangeAspect="1"/>
           </p:cNvSpPr>
@@ -2262,11 +2264,16 @@
             <p:ph type="sldImg"/>
           </p:nvPr>
         </p:nvSpPr>
-        <p:spPr/>
-      </p:sp>
-      <p:sp>
-        <p:nvSpPr>
-          <p:cNvPr id="3" name="Notes Placeholder 2"/>
+        <p:spPr>
+          <a:xfrm>
+            <a:off x="1371600" y="1143000"/>
+            <a:ext cx="4114800" cy="3086100"/>
+          </a:xfrm>
+        </p:spPr>
+      </p:sp>
+      <p:sp>
+        <p:nvSpPr>
+          <p:cNvPr id="3" name="ตัวแทนบันทึกย่อ 2"/>
           <p:cNvSpPr>
             <a:spLocks noGrp="1"/>
           </p:cNvSpPr>
@@ -2279,13 +2286,13 @@
           <a:bodyPr/>
           <a:lstStyle/>
           <a:p>
-            <a:endParaRPr lang="en-US" dirty="0"/>
-          </a:p>
-        </p:txBody>
-      </p:sp>
-      <p:sp>
-        <p:nvSpPr>
-          <p:cNvPr id="4" name="Slide Number Placeholder 3"/>
+            <a:endParaRPr lang="th-TH" dirty="0"/>
+          </a:p>
+        </p:txBody>
+      </p:sp>
+      <p:sp>
+        <p:nvSpPr>
+          <p:cNvPr id="4" name="ตัวแทนหมายเลขสไลด์ 3"/>
           <p:cNvSpPr>
             <a:spLocks noGrp="1"/>
           </p:cNvSpPr>
@@ -2298,18 +2305,18 @@
           <a:bodyPr/>
           <a:lstStyle/>
           <a:p>
-            <a:fld id="{C70CD4FC-C51F-4D8A-8816-EC7AA7BD578B}" type="slidenum">
-              <a:rPr lang="en-US" smtClean="0"/>
-              <a:t>31</a:t>
+            <a:fld id="{9B9A37A8-D5FE-47B9-8EF0-950E4903B048}" type="slidenum">
+              <a:rPr lang="th-TH" smtClean="0"/>
+              <a:t>30</a:t>
             </a:fld>
-            <a:endParaRPr lang="en-US"/>
+            <a:endParaRPr lang="th-TH"/>
           </a:p>
         </p:txBody>
       </p:sp>
     </p:spTree>
     <p:extLst>
       <p:ext uri="{BB962C8B-B14F-4D97-AF65-F5344CB8AC3E}">
-        <p14:creationId xmlns:p14="http://schemas.microsoft.com/office/powerpoint/2010/main" val="1052440562"/>
+        <p14:creationId xmlns:p14="http://schemas.microsoft.com/office/powerpoint/2010/main" val="1701245995"/>
       </p:ext>
     </p:extLst>
   </p:cSld>
@@ -2398,7 +2405,7 @@
     </p:spTree>
     <p:extLst>
       <p:ext uri="{BB962C8B-B14F-4D97-AF65-F5344CB8AC3E}">
-        <p14:creationId xmlns:p14="http://schemas.microsoft.com/office/powerpoint/2010/main" val="3434277573"/>
+        <p14:creationId xmlns:p14="http://schemas.microsoft.com/office/powerpoint/2010/main" val="628937798"/>
       </p:ext>
     </p:extLst>
   </p:cSld>
@@ -2427,7 +2434,7 @@
       </p:grpSpPr>
       <p:sp>
         <p:nvSpPr>
-          <p:cNvPr id="2" name="ตัวแทนรูปบนสไลด์ 1"/>
+          <p:cNvPr id="2" name="Slide Image Placeholder 1"/>
           <p:cNvSpPr>
             <a:spLocks noGrp="1" noRot="1" noChangeAspect="1"/>
           </p:cNvSpPr>
@@ -2435,16 +2442,11 @@
             <p:ph type="sldImg"/>
           </p:nvPr>
         </p:nvSpPr>
-        <p:spPr>
-          <a:xfrm>
-            <a:off x="1371600" y="1143000"/>
-            <a:ext cx="4114800" cy="3086100"/>
-          </a:xfrm>
-        </p:spPr>
-      </p:sp>
-      <p:sp>
-        <p:nvSpPr>
-          <p:cNvPr id="3" name="ตัวแทนบันทึกย่อ 2"/>
+        <p:spPr/>
+      </p:sp>
+      <p:sp>
+        <p:nvSpPr>
+          <p:cNvPr id="3" name="Notes Placeholder 2"/>
           <p:cNvSpPr>
             <a:spLocks noGrp="1"/>
           </p:cNvSpPr>
@@ -2457,13 +2459,13 @@
           <a:bodyPr/>
           <a:lstStyle/>
           <a:p>
-            <a:endParaRPr lang="th-TH" dirty="0"/>
-          </a:p>
-        </p:txBody>
-      </p:sp>
-      <p:sp>
-        <p:nvSpPr>
-          <p:cNvPr id="4" name="ตัวแทนหมายเลขสไลด์ 3"/>
+            <a:endParaRPr lang="en-US" dirty="0"/>
+          </a:p>
+        </p:txBody>
+      </p:sp>
+      <p:sp>
+        <p:nvSpPr>
+          <p:cNvPr id="4" name="Slide Number Placeholder 3"/>
           <p:cNvSpPr>
             <a:spLocks noGrp="1"/>
           </p:cNvSpPr>
@@ -2476,18 +2478,18 @@
           <a:bodyPr/>
           <a:lstStyle/>
           <a:p>
-            <a:fld id="{9B9A37A8-D5FE-47B9-8EF0-950E4903B048}" type="slidenum">
-              <a:rPr lang="th-TH" smtClean="0"/>
+            <a:fld id="{C70CD4FC-C51F-4D8A-8816-EC7AA7BD578B}" type="slidenum">
+              <a:rPr lang="en-US" smtClean="0"/>
               <a:t>33</a:t>
             </a:fld>
-            <a:endParaRPr lang="th-TH"/>
+            <a:endParaRPr lang="en-US"/>
           </a:p>
         </p:txBody>
       </p:sp>
     </p:spTree>
     <p:extLst>
       <p:ext uri="{BB962C8B-B14F-4D97-AF65-F5344CB8AC3E}">
-        <p14:creationId xmlns:p14="http://schemas.microsoft.com/office/powerpoint/2010/main" val="1551422349"/>
+        <p14:creationId xmlns:p14="http://schemas.microsoft.com/office/powerpoint/2010/main" val="1052440562"/>
       </p:ext>
     </p:extLst>
   </p:cSld>
@@ -2713,7 +2715,7 @@
     </p:spTree>
     <p:extLst>
       <p:ext uri="{BB962C8B-B14F-4D97-AF65-F5344CB8AC3E}">
-        <p14:creationId xmlns:p14="http://schemas.microsoft.com/office/powerpoint/2010/main" val="2456727820"/>
+        <p14:creationId xmlns:p14="http://schemas.microsoft.com/office/powerpoint/2010/main" val="3434277573"/>
       </p:ext>
     </p:extLst>
   </p:cSld>
@@ -2742,7 +2744,7 @@
       </p:grpSpPr>
       <p:sp>
         <p:nvSpPr>
-          <p:cNvPr id="2" name="Slide Image Placeholder 1"/>
+          <p:cNvPr id="2" name="ตัวแทนรูปบนสไลด์ 1"/>
           <p:cNvSpPr>
             <a:spLocks noGrp="1" noRot="1" noChangeAspect="1"/>
           </p:cNvSpPr>
@@ -2750,11 +2752,16 @@
             <p:ph type="sldImg"/>
           </p:nvPr>
         </p:nvSpPr>
-        <p:spPr/>
-      </p:sp>
-      <p:sp>
-        <p:nvSpPr>
-          <p:cNvPr id="3" name="Notes Placeholder 2"/>
+        <p:spPr>
+          <a:xfrm>
+            <a:off x="1371600" y="1143000"/>
+            <a:ext cx="4114800" cy="3086100"/>
+          </a:xfrm>
+        </p:spPr>
+      </p:sp>
+      <p:sp>
+        <p:nvSpPr>
+          <p:cNvPr id="3" name="ตัวแทนบันทึกย่อ 2"/>
           <p:cNvSpPr>
             <a:spLocks noGrp="1"/>
           </p:cNvSpPr>
@@ -2767,13 +2774,13 @@
           <a:bodyPr/>
           <a:lstStyle/>
           <a:p>
-            <a:endParaRPr lang="en-US" dirty="0"/>
-          </a:p>
-        </p:txBody>
-      </p:sp>
-      <p:sp>
-        <p:nvSpPr>
-          <p:cNvPr id="4" name="Slide Number Placeholder 3"/>
+            <a:endParaRPr lang="th-TH" dirty="0"/>
+          </a:p>
+        </p:txBody>
+      </p:sp>
+      <p:sp>
+        <p:nvSpPr>
+          <p:cNvPr id="4" name="ตัวแทนหมายเลขสไลด์ 3"/>
           <p:cNvSpPr>
             <a:spLocks noGrp="1"/>
           </p:cNvSpPr>
@@ -2786,18 +2793,18 @@
           <a:bodyPr/>
           <a:lstStyle/>
           <a:p>
-            <a:fld id="{C70CD4FC-C51F-4D8A-8816-EC7AA7BD578B}" type="slidenum">
-              <a:rPr lang="en-US" smtClean="0"/>
+            <a:fld id="{9B9A37A8-D5FE-47B9-8EF0-950E4903B048}" type="slidenum">
+              <a:rPr lang="th-TH" smtClean="0"/>
               <a:t>35</a:t>
             </a:fld>
-            <a:endParaRPr lang="en-US"/>
+            <a:endParaRPr lang="th-TH"/>
           </a:p>
         </p:txBody>
       </p:sp>
     </p:spTree>
     <p:extLst>
       <p:ext uri="{BB962C8B-B14F-4D97-AF65-F5344CB8AC3E}">
-        <p14:creationId xmlns:p14="http://schemas.microsoft.com/office/powerpoint/2010/main" val="728289083"/>
+        <p14:creationId xmlns:p14="http://schemas.microsoft.com/office/powerpoint/2010/main" val="1551422349"/>
       </p:ext>
     </p:extLst>
   </p:cSld>
@@ -2826,6 +2833,95 @@
       </p:grpSpPr>
       <p:sp>
         <p:nvSpPr>
+          <p:cNvPr id="2" name="ตัวแทนรูปบนสไลด์ 1"/>
+          <p:cNvSpPr>
+            <a:spLocks noGrp="1" noRot="1" noChangeAspect="1"/>
+          </p:cNvSpPr>
+          <p:nvPr>
+            <p:ph type="sldImg"/>
+          </p:nvPr>
+        </p:nvSpPr>
+        <p:spPr>
+          <a:xfrm>
+            <a:off x="1371600" y="1143000"/>
+            <a:ext cx="4114800" cy="3086100"/>
+          </a:xfrm>
+        </p:spPr>
+      </p:sp>
+      <p:sp>
+        <p:nvSpPr>
+          <p:cNvPr id="3" name="ตัวแทนบันทึกย่อ 2"/>
+          <p:cNvSpPr>
+            <a:spLocks noGrp="1"/>
+          </p:cNvSpPr>
+          <p:nvPr>
+            <p:ph type="body" idx="1"/>
+          </p:nvPr>
+        </p:nvSpPr>
+        <p:spPr/>
+        <p:txBody>
+          <a:bodyPr/>
+          <a:lstStyle/>
+          <a:p>
+            <a:endParaRPr lang="th-TH" dirty="0"/>
+          </a:p>
+        </p:txBody>
+      </p:sp>
+      <p:sp>
+        <p:nvSpPr>
+          <p:cNvPr id="4" name="ตัวแทนหมายเลขสไลด์ 3"/>
+          <p:cNvSpPr>
+            <a:spLocks noGrp="1"/>
+          </p:cNvSpPr>
+          <p:nvPr>
+            <p:ph type="sldNum" sz="quarter" idx="10"/>
+          </p:nvPr>
+        </p:nvSpPr>
+        <p:spPr/>
+        <p:txBody>
+          <a:bodyPr/>
+          <a:lstStyle/>
+          <a:p>
+            <a:fld id="{9B9A37A8-D5FE-47B9-8EF0-950E4903B048}" type="slidenum">
+              <a:rPr lang="th-TH" smtClean="0"/>
+              <a:t>36</a:t>
+            </a:fld>
+            <a:endParaRPr lang="th-TH"/>
+          </a:p>
+        </p:txBody>
+      </p:sp>
+    </p:spTree>
+    <p:extLst>
+      <p:ext uri="{BB962C8B-B14F-4D97-AF65-F5344CB8AC3E}">
+        <p14:creationId xmlns:p14="http://schemas.microsoft.com/office/powerpoint/2010/main" val="2456727820"/>
+      </p:ext>
+    </p:extLst>
+  </p:cSld>
+  <p:clrMapOvr>
+    <a:masterClrMapping/>
+  </p:clrMapOvr>
+</p:notes>
+</file>
+
+<file path=ppt/notesSlides/notesSlide33.xml><?xml version="1.0" encoding="utf-8"?>
+<p:notes xmlns:a="http://schemas.openxmlformats.org/drawingml/2006/main" xmlns:r="http://schemas.openxmlformats.org/officeDocument/2006/relationships" xmlns:p="http://schemas.openxmlformats.org/presentationml/2006/main">
+  <p:cSld>
+    <p:spTree>
+      <p:nvGrpSpPr>
+        <p:cNvPr id="1" name=""/>
+        <p:cNvGrpSpPr/>
+        <p:nvPr/>
+      </p:nvGrpSpPr>
+      <p:grpSpPr>
+        <a:xfrm>
+          <a:off x="0" y="0"/>
+          <a:ext cx="0" cy="0"/>
+          <a:chOff x="0" y="0"/>
+          <a:chExt cx="0" cy="0"/>
+        </a:xfrm>
+      </p:grpSpPr>
+      <p:sp>
+        <p:nvSpPr>
           <p:cNvPr id="2" name="Slide Image Placeholder 1"/>
           <p:cNvSpPr>
             <a:spLocks noGrp="1" noRot="1" noChangeAspect="1"/>
@@ -2872,7 +2968,91 @@
           <a:p>
             <a:fld id="{C70CD4FC-C51F-4D8A-8816-EC7AA7BD578B}" type="slidenum">
               <a:rPr lang="en-US" smtClean="0"/>
-              <a:t>36</a:t>
+              <a:t>37</a:t>
+            </a:fld>
+            <a:endParaRPr lang="en-US"/>
+          </a:p>
+        </p:txBody>
+      </p:sp>
+    </p:spTree>
+    <p:extLst>
+      <p:ext uri="{BB962C8B-B14F-4D97-AF65-F5344CB8AC3E}">
+        <p14:creationId xmlns:p14="http://schemas.microsoft.com/office/powerpoint/2010/main" val="728289083"/>
+      </p:ext>
+    </p:extLst>
+  </p:cSld>
+  <p:clrMapOvr>
+    <a:masterClrMapping/>
+  </p:clrMapOvr>
+</p:notes>
+</file>
+
+<file path=ppt/notesSlides/notesSlide34.xml><?xml version="1.0" encoding="utf-8"?>
+<p:notes xmlns:a="http://schemas.openxmlformats.org/drawingml/2006/main" xmlns:r="http://schemas.openxmlformats.org/officeDocument/2006/relationships" xmlns:p="http://schemas.openxmlformats.org/presentationml/2006/main">
+  <p:cSld>
+    <p:spTree>
+      <p:nvGrpSpPr>
+        <p:cNvPr id="1" name=""/>
+        <p:cNvGrpSpPr/>
+        <p:nvPr/>
+      </p:nvGrpSpPr>
+      <p:grpSpPr>
+        <a:xfrm>
+          <a:off x="0" y="0"/>
+          <a:ext cx="0" cy="0"/>
+          <a:chOff x="0" y="0"/>
+          <a:chExt cx="0" cy="0"/>
+        </a:xfrm>
+      </p:grpSpPr>
+      <p:sp>
+        <p:nvSpPr>
+          <p:cNvPr id="2" name="Slide Image Placeholder 1"/>
+          <p:cNvSpPr>
+            <a:spLocks noGrp="1" noRot="1" noChangeAspect="1"/>
+          </p:cNvSpPr>
+          <p:nvPr>
+            <p:ph type="sldImg"/>
+          </p:nvPr>
+        </p:nvSpPr>
+        <p:spPr/>
+      </p:sp>
+      <p:sp>
+        <p:nvSpPr>
+          <p:cNvPr id="3" name="Notes Placeholder 2"/>
+          <p:cNvSpPr>
+            <a:spLocks noGrp="1"/>
+          </p:cNvSpPr>
+          <p:nvPr>
+            <p:ph type="body" idx="1"/>
+          </p:nvPr>
+        </p:nvSpPr>
+        <p:spPr/>
+        <p:txBody>
+          <a:bodyPr/>
+          <a:lstStyle/>
+          <a:p>
+            <a:endParaRPr lang="en-US" dirty="0"/>
+          </a:p>
+        </p:txBody>
+      </p:sp>
+      <p:sp>
+        <p:nvSpPr>
+          <p:cNvPr id="4" name="Slide Number Placeholder 3"/>
+          <p:cNvSpPr>
+            <a:spLocks noGrp="1"/>
+          </p:cNvSpPr>
+          <p:nvPr>
+            <p:ph type="sldNum" sz="quarter" idx="10"/>
+          </p:nvPr>
+        </p:nvSpPr>
+        <p:spPr/>
+        <p:txBody>
+          <a:bodyPr/>
+          <a:lstStyle/>
+          <a:p>
+            <a:fld id="{C70CD4FC-C51F-4D8A-8816-EC7AA7BD578B}" type="slidenum">
+              <a:rPr lang="en-US" smtClean="0"/>
+              <a:t>38</a:t>
             </a:fld>
             <a:endParaRPr lang="en-US"/>
           </a:p>
@@ -15387,13 +15567,13 @@
         </p:nvPicPr>
         <p:blipFill rotWithShape="1">
           <a:blip r:embed="rId7"/>
-          <a:srcRect t="65777"/>
+          <a:srcRect t="15327" b="-1"/>
           <a:stretch/>
         </p:blipFill>
         <p:spPr>
           <a:xfrm>
-            <a:off x="3395852" y="5412188"/>
-            <a:ext cx="2280102" cy="534120"/>
+            <a:off x="3395852" y="4624781"/>
+            <a:ext cx="2280102" cy="1321527"/>
           </a:xfrm>
           <a:prstGeom prst="rect">
             <a:avLst/>
@@ -15698,9 +15878,9 @@
       </p:sp>
       <p:pic>
         <p:nvPicPr>
-          <p:cNvPr id="5122" name="รูปภาพ 1"/>
+          <p:cNvPr id="2" name="รูปภาพ 1"/>
           <p:cNvPicPr>
-            <a:picLocks noChangeAspect="1" noChangeArrowheads="1"/>
+            <a:picLocks noChangeAspect="1"/>
           </p:cNvPicPr>
           <p:nvPr/>
         </p:nvPicPr>
@@ -15712,42 +15892,18 @@
               </a:ext>
             </a:extLst>
           </a:blip>
-          <a:srcRect/>
           <a:stretch>
             <a:fillRect/>
           </a:stretch>
         </p:blipFill>
-        <p:spPr bwMode="auto">
+        <p:spPr>
           <a:xfrm>
-            <a:off x="2774428" y="1684786"/>
-            <a:ext cx="3907726" cy="4408718"/>
+            <a:off x="2503191" y="2593564"/>
+            <a:ext cx="4334480" cy="2591162"/>
           </a:xfrm>
           <a:prstGeom prst="rect">
             <a:avLst/>
           </a:prstGeom>
-          <a:noFill/>
-          <a:ln>
-            <a:noFill/>
-          </a:ln>
-          <a:extLst>
-            <a:ext uri="{909E8E84-426E-40DD-AFC4-6F175D3DCCD1}">
-              <a14:hiddenFill xmlns:a14="http://schemas.microsoft.com/office/drawing/2010/main">
-                <a:solidFill>
-                  <a:srgbClr val="FFFFFF"/>
-                </a:solidFill>
-              </a14:hiddenFill>
-            </a:ext>
-            <a:ext uri="{91240B29-F687-4F45-9708-019B960494DF}">
-              <a14:hiddenLine xmlns:a14="http://schemas.microsoft.com/office/drawing/2010/main" w="9525">
-                <a:solidFill>
-                  <a:srgbClr val="000000"/>
-                </a:solidFill>
-                <a:miter lim="800000"/>
-                <a:headEnd/>
-                <a:tailEnd/>
-              </a14:hiddenLine>
-            </a:ext>
-          </a:extLst>
         </p:spPr>
       </p:pic>
     </p:spTree>
@@ -20312,14 +20468,6 @@
 <file path=ppt/slides/slide29.xml><?xml version="1.0" encoding="utf-8"?>
 <p:sld xmlns:a="http://schemas.openxmlformats.org/drawingml/2006/main" xmlns:r="http://schemas.openxmlformats.org/officeDocument/2006/relationships" xmlns:p="http://schemas.openxmlformats.org/presentationml/2006/main">
   <p:cSld>
-    <p:bg>
-      <p:bgPr>
-        <a:solidFill>
-          <a:srgbClr val="015F85"/>
-        </a:solidFill>
-        <a:effectLst/>
-      </p:bgPr>
-    </p:bg>
     <p:spTree>
       <p:nvGrpSpPr>
         <p:cNvPr id="1" name=""/>
@@ -20336,7 +20484,7 @@
       </p:grpSpPr>
       <p:sp>
         <p:nvSpPr>
-          <p:cNvPr id="4" name="Title 3"/>
+          <p:cNvPr id="2" name="ชื่อเรื่อง 1"/>
           <p:cNvSpPr>
             <a:spLocks noGrp="1"/>
           </p:cNvSpPr>
@@ -20346,14 +20494,14 @@
         </p:nvSpPr>
         <p:spPr>
           <a:xfrm>
-            <a:off x="623888" y="2506980"/>
-            <a:ext cx="7886700" cy="1828800"/>
+            <a:off x="4220308" y="487638"/>
+            <a:ext cx="4923692" cy="994172"/>
           </a:xfrm>
           <a:solidFill>
-            <a:schemeClr val="bg1"/>
+            <a:srgbClr val="015F85"/>
           </a:solidFill>
           <a:effectLst>
-            <a:outerShdw blurRad="444500" sx="102000" sy="102000" algn="ctr" rotWithShape="0">
+            <a:outerShdw blurRad="127000" sx="102000" sy="102000" algn="ctr" rotWithShape="0">
               <a:prstClr val="black">
                 <a:alpha val="40000"/>
               </a:prstClr>
@@ -20368,21 +20516,21 @@
           <a:p>
             <a:pPr algn="ctr"/>
             <a:r>
-              <a:rPr lang="th-TH" sz="8800" b="1" dirty="0">
-                <a:solidFill>
-                  <a:srgbClr val="015F85"/>
+              <a:rPr lang="th-TH" dirty="0">
+                <a:solidFill>
+                  <a:schemeClr val="bg1"/>
                 </a:solidFill>
                 <a:latin typeface="TH Sarabun New" panose="020B0500040200020003" pitchFamily="34" charset="-34"/>
                 <a:cs typeface="TH Sarabun New" panose="020B0500040200020003" pitchFamily="34" charset="-34"/>
               </a:rPr>
-              <a:t>สิ่งที่จะทำต่อไป</a:t>
-            </a:r>
-          </a:p>
-        </p:txBody>
-      </p:sp>
-      <p:sp>
-        <p:nvSpPr>
-          <p:cNvPr id="3" name="Slide Number Placeholder 2"/>
+              <a:t>สิ่งที่ได้ดำเดินการไปแล้ว</a:t>
+            </a:r>
+          </a:p>
+        </p:txBody>
+      </p:sp>
+      <p:sp>
+        <p:nvSpPr>
+          <p:cNvPr id="3" name="ตัวแทนหมายเลขสไลด์ 2"/>
           <p:cNvSpPr>
             <a:spLocks noGrp="1"/>
           </p:cNvSpPr>
@@ -20395,18 +20543,81 @@
           <a:bodyPr/>
           <a:lstStyle/>
           <a:p>
-            <a:fld id="{D8CEF996-85C1-4A65-AD9A-9893602DE651}" type="slidenum">
-              <a:rPr lang="en-US" smtClean="0"/>
+            <a:fld id="{85EABC1E-312D-42F2-AC14-532A862C1486}" type="slidenum">
+              <a:rPr lang="th-TH" sz="3000"/>
               <a:t>29</a:t>
             </a:fld>
-            <a:endParaRPr lang="en-US"/>
-          </a:p>
-        </p:txBody>
-      </p:sp>
+            <a:endParaRPr lang="th-TH" sz="3000"/>
+          </a:p>
+        </p:txBody>
+      </p:sp>
+      <p:sp>
+        <p:nvSpPr>
+          <p:cNvPr id="4" name="Rectangle 3"/>
+          <p:cNvSpPr/>
+          <p:nvPr/>
+        </p:nvSpPr>
+        <p:spPr>
+          <a:xfrm>
+            <a:off x="2966379" y="5486619"/>
+            <a:ext cx="3196709" cy="523220"/>
+          </a:xfrm>
+          <a:prstGeom prst="rect">
+            <a:avLst/>
+          </a:prstGeom>
+        </p:spPr>
+        <p:txBody>
+          <a:bodyPr wrap="none">
+            <a:spAutoFit/>
+          </a:bodyPr>
+          <a:lstStyle/>
+          <a:p>
+            <a:r>
+              <a:rPr lang="th-TH" sz="2800" b="1" dirty="0">
+                <a:solidFill>
+                  <a:srgbClr val="015F85"/>
+                </a:solidFill>
+                <a:ea typeface="Times New Roman" panose="02020603050405020304" pitchFamily="18" charset="0"/>
+                <a:cs typeface="TH Sarabun New" panose="020B0500040200020003" pitchFamily="34" charset="-34"/>
+              </a:rPr>
+              <a:t>ตัวอย่างผลลัพธ์จากการทดลอง</a:t>
+            </a:r>
+            <a:endParaRPr lang="en-US" sz="2800" dirty="0">
+              <a:solidFill>
+                <a:srgbClr val="015F85"/>
+              </a:solidFill>
+            </a:endParaRPr>
+          </a:p>
+        </p:txBody>
+      </p:sp>
+      <p:pic>
+        <p:nvPicPr>
+          <p:cNvPr id="5" name="รูปภาพ 4"/>
+          <p:cNvPicPr>
+            <a:picLocks noChangeAspect="1"/>
+          </p:cNvPicPr>
+          <p:nvPr/>
+        </p:nvPicPr>
+        <p:blipFill>
+          <a:blip r:embed="rId3"/>
+          <a:stretch>
+            <a:fillRect/>
+          </a:stretch>
+        </p:blipFill>
+        <p:spPr>
+          <a:xfrm>
+            <a:off x="2319337" y="2014537"/>
+            <a:ext cx="4505325" cy="2828925"/>
+          </a:xfrm>
+          <a:prstGeom prst="rect">
+            <a:avLst/>
+          </a:prstGeom>
+        </p:spPr>
+      </p:pic>
     </p:spTree>
     <p:extLst>
       <p:ext uri="{BB962C8B-B14F-4D97-AF65-F5344CB8AC3E}">
-        <p14:creationId xmlns:p14="http://schemas.microsoft.com/office/powerpoint/2010/main" val="4112704416"/>
+        <p14:creationId xmlns:p14="http://schemas.microsoft.com/office/powerpoint/2010/main" val="3714888601"/>
       </p:ext>
     </p:extLst>
   </p:cSld>
@@ -20675,7 +20886,7 @@
                 <a:latin typeface="TH Sarabun New" panose="020B0500040200020003" pitchFamily="34" charset="-34"/>
                 <a:cs typeface="TH Sarabun New" panose="020B0500040200020003" pitchFamily="34" charset="-34"/>
               </a:rPr>
-              <a:t>สิ่งที่จะทำต่อไป</a:t>
+              <a:t>สิ่งที่ได้ดำเดินการไปแล้ว</a:t>
             </a:r>
           </a:p>
         </p:txBody>
@@ -20705,6 +20916,281 @@
       </p:sp>
       <p:sp>
         <p:nvSpPr>
+          <p:cNvPr id="4" name="Rectangle 3"/>
+          <p:cNvSpPr/>
+          <p:nvPr/>
+        </p:nvSpPr>
+        <p:spPr>
+          <a:xfrm>
+            <a:off x="2966379" y="5486619"/>
+            <a:ext cx="3196709" cy="523220"/>
+          </a:xfrm>
+          <a:prstGeom prst="rect">
+            <a:avLst/>
+          </a:prstGeom>
+        </p:spPr>
+        <p:txBody>
+          <a:bodyPr wrap="none">
+            <a:spAutoFit/>
+          </a:bodyPr>
+          <a:lstStyle/>
+          <a:p>
+            <a:r>
+              <a:rPr lang="th-TH" sz="2800" b="1" dirty="0">
+                <a:solidFill>
+                  <a:srgbClr val="015F85"/>
+                </a:solidFill>
+                <a:ea typeface="Times New Roman" panose="02020603050405020304" pitchFamily="18" charset="0"/>
+                <a:cs typeface="TH Sarabun New" panose="020B0500040200020003" pitchFamily="34" charset="-34"/>
+              </a:rPr>
+              <a:t>ตัวอย่างผลลัพธ์จากการทดลอง</a:t>
+            </a:r>
+            <a:endParaRPr lang="en-US" sz="2800" dirty="0">
+              <a:solidFill>
+                <a:srgbClr val="015F85"/>
+              </a:solidFill>
+            </a:endParaRPr>
+          </a:p>
+        </p:txBody>
+      </p:sp>
+      <p:pic>
+        <p:nvPicPr>
+          <p:cNvPr id="6" name="รูปภาพ 5"/>
+          <p:cNvPicPr>
+            <a:picLocks noChangeAspect="1"/>
+          </p:cNvPicPr>
+          <p:nvPr/>
+        </p:nvPicPr>
+        <p:blipFill>
+          <a:blip r:embed="rId3"/>
+          <a:stretch>
+            <a:fillRect/>
+          </a:stretch>
+        </p:blipFill>
+        <p:spPr>
+          <a:xfrm>
+            <a:off x="431800" y="1330468"/>
+            <a:ext cx="8515350" cy="4156151"/>
+          </a:xfrm>
+          <a:prstGeom prst="rect">
+            <a:avLst/>
+          </a:prstGeom>
+        </p:spPr>
+      </p:pic>
+    </p:spTree>
+    <p:extLst>
+      <p:ext uri="{BB962C8B-B14F-4D97-AF65-F5344CB8AC3E}">
+        <p14:creationId xmlns:p14="http://schemas.microsoft.com/office/powerpoint/2010/main" val="1219457592"/>
+      </p:ext>
+    </p:extLst>
+  </p:cSld>
+  <p:clrMapOvr>
+    <a:masterClrMapping/>
+  </p:clrMapOvr>
+  <p:transition spd="slow">
+    <p:push dir="u"/>
+  </p:transition>
+</p:sld>
+</file>
+
+<file path=ppt/slides/slide31.xml><?xml version="1.0" encoding="utf-8"?>
+<p:sld xmlns:a="http://schemas.openxmlformats.org/drawingml/2006/main" xmlns:r="http://schemas.openxmlformats.org/officeDocument/2006/relationships" xmlns:p="http://schemas.openxmlformats.org/presentationml/2006/main">
+  <p:cSld>
+    <p:bg>
+      <p:bgPr>
+        <a:solidFill>
+          <a:srgbClr val="015F85"/>
+        </a:solidFill>
+        <a:effectLst/>
+      </p:bgPr>
+    </p:bg>
+    <p:spTree>
+      <p:nvGrpSpPr>
+        <p:cNvPr id="1" name=""/>
+        <p:cNvGrpSpPr/>
+        <p:nvPr/>
+      </p:nvGrpSpPr>
+      <p:grpSpPr>
+        <a:xfrm>
+          <a:off x="0" y="0"/>
+          <a:ext cx="0" cy="0"/>
+          <a:chOff x="0" y="0"/>
+          <a:chExt cx="0" cy="0"/>
+        </a:xfrm>
+      </p:grpSpPr>
+      <p:sp>
+        <p:nvSpPr>
+          <p:cNvPr id="4" name="Title 3"/>
+          <p:cNvSpPr>
+            <a:spLocks noGrp="1"/>
+          </p:cNvSpPr>
+          <p:nvPr>
+            <p:ph type="title"/>
+          </p:nvPr>
+        </p:nvSpPr>
+        <p:spPr>
+          <a:xfrm>
+            <a:off x="623888" y="2506980"/>
+            <a:ext cx="7886700" cy="1828800"/>
+          </a:xfrm>
+          <a:solidFill>
+            <a:schemeClr val="bg1"/>
+          </a:solidFill>
+          <a:effectLst>
+            <a:outerShdw blurRad="444500" sx="102000" sy="102000" algn="ctr" rotWithShape="0">
+              <a:prstClr val="black">
+                <a:alpha val="40000"/>
+              </a:prstClr>
+            </a:outerShdw>
+          </a:effectLst>
+        </p:spPr>
+        <p:txBody>
+          <a:bodyPr>
+            <a:normAutofit/>
+          </a:bodyPr>
+          <a:lstStyle/>
+          <a:p>
+            <a:pPr algn="ctr"/>
+            <a:r>
+              <a:rPr lang="th-TH" sz="8800" b="1" dirty="0">
+                <a:solidFill>
+                  <a:srgbClr val="015F85"/>
+                </a:solidFill>
+                <a:latin typeface="TH Sarabun New" panose="020B0500040200020003" pitchFamily="34" charset="-34"/>
+                <a:cs typeface="TH Sarabun New" panose="020B0500040200020003" pitchFamily="34" charset="-34"/>
+              </a:rPr>
+              <a:t>สิ่งที่จะทำต่อไป</a:t>
+            </a:r>
+          </a:p>
+        </p:txBody>
+      </p:sp>
+      <p:sp>
+        <p:nvSpPr>
+          <p:cNvPr id="3" name="Slide Number Placeholder 2"/>
+          <p:cNvSpPr>
+            <a:spLocks noGrp="1"/>
+          </p:cNvSpPr>
+          <p:nvPr>
+            <p:ph type="sldNum" sz="quarter" idx="12"/>
+          </p:nvPr>
+        </p:nvSpPr>
+        <p:spPr/>
+        <p:txBody>
+          <a:bodyPr/>
+          <a:lstStyle/>
+          <a:p>
+            <a:fld id="{D8CEF996-85C1-4A65-AD9A-9893602DE651}" type="slidenum">
+              <a:rPr lang="en-US" smtClean="0"/>
+              <a:t>31</a:t>
+            </a:fld>
+            <a:endParaRPr lang="en-US"/>
+          </a:p>
+        </p:txBody>
+      </p:sp>
+    </p:spTree>
+    <p:extLst>
+      <p:ext uri="{BB962C8B-B14F-4D97-AF65-F5344CB8AC3E}">
+        <p14:creationId xmlns:p14="http://schemas.microsoft.com/office/powerpoint/2010/main" val="4112704416"/>
+      </p:ext>
+    </p:extLst>
+  </p:cSld>
+  <p:clrMapOvr>
+    <a:masterClrMapping/>
+  </p:clrMapOvr>
+  <p:transition spd="slow">
+    <p:push dir="u"/>
+  </p:transition>
+</p:sld>
+</file>
+
+<file path=ppt/slides/slide32.xml><?xml version="1.0" encoding="utf-8"?>
+<p:sld xmlns:a="http://schemas.openxmlformats.org/drawingml/2006/main" xmlns:r="http://schemas.openxmlformats.org/officeDocument/2006/relationships" xmlns:p="http://schemas.openxmlformats.org/presentationml/2006/main">
+  <p:cSld>
+    <p:spTree>
+      <p:nvGrpSpPr>
+        <p:cNvPr id="1" name=""/>
+        <p:cNvGrpSpPr/>
+        <p:nvPr/>
+      </p:nvGrpSpPr>
+      <p:grpSpPr>
+        <a:xfrm>
+          <a:off x="0" y="0"/>
+          <a:ext cx="0" cy="0"/>
+          <a:chOff x="0" y="0"/>
+          <a:chExt cx="0" cy="0"/>
+        </a:xfrm>
+      </p:grpSpPr>
+      <p:sp>
+        <p:nvSpPr>
+          <p:cNvPr id="2" name="ชื่อเรื่อง 1"/>
+          <p:cNvSpPr>
+            <a:spLocks noGrp="1"/>
+          </p:cNvSpPr>
+          <p:nvPr>
+            <p:ph type="title"/>
+          </p:nvPr>
+        </p:nvSpPr>
+        <p:spPr>
+          <a:xfrm>
+            <a:off x="4220308" y="487638"/>
+            <a:ext cx="4923692" cy="994172"/>
+          </a:xfrm>
+          <a:solidFill>
+            <a:srgbClr val="015F85"/>
+          </a:solidFill>
+          <a:effectLst>
+            <a:outerShdw blurRad="127000" sx="102000" sy="102000" algn="ctr" rotWithShape="0">
+              <a:prstClr val="black">
+                <a:alpha val="40000"/>
+              </a:prstClr>
+            </a:outerShdw>
+          </a:effectLst>
+        </p:spPr>
+        <p:txBody>
+          <a:bodyPr>
+            <a:normAutofit/>
+          </a:bodyPr>
+          <a:lstStyle/>
+          <a:p>
+            <a:pPr algn="ctr"/>
+            <a:r>
+              <a:rPr lang="th-TH" dirty="0">
+                <a:solidFill>
+                  <a:schemeClr val="bg1"/>
+                </a:solidFill>
+                <a:latin typeface="TH Sarabun New" panose="020B0500040200020003" pitchFamily="34" charset="-34"/>
+                <a:cs typeface="TH Sarabun New" panose="020B0500040200020003" pitchFamily="34" charset="-34"/>
+              </a:rPr>
+              <a:t>สิ่งที่จะทำต่อไป</a:t>
+            </a:r>
+          </a:p>
+        </p:txBody>
+      </p:sp>
+      <p:sp>
+        <p:nvSpPr>
+          <p:cNvPr id="3" name="ตัวแทนหมายเลขสไลด์ 2"/>
+          <p:cNvSpPr>
+            <a:spLocks noGrp="1"/>
+          </p:cNvSpPr>
+          <p:nvPr>
+            <p:ph type="sldNum" sz="quarter" idx="12"/>
+          </p:nvPr>
+        </p:nvSpPr>
+        <p:spPr/>
+        <p:txBody>
+          <a:bodyPr/>
+          <a:lstStyle/>
+          <a:p>
+            <a:fld id="{85EABC1E-312D-42F2-AC14-532A862C1486}" type="slidenum">
+              <a:rPr lang="th-TH" sz="3000"/>
+              <a:t>32</a:t>
+            </a:fld>
+            <a:endParaRPr lang="th-TH" sz="3000"/>
+          </a:p>
+        </p:txBody>
+      </p:sp>
+      <p:sp>
+        <p:nvSpPr>
           <p:cNvPr id="5" name="Rectangle 4"/>
           <p:cNvSpPr/>
           <p:nvPr/>
@@ -20712,7 +21198,7 @@
         <p:spPr>
           <a:xfrm>
             <a:off x="385012" y="2470479"/>
-            <a:ext cx="8373978" cy="2768963"/>
+            <a:ext cx="8373978" cy="729430"/>
           </a:xfrm>
           <a:prstGeom prst="rect">
             <a:avLst/>
@@ -20743,41 +21229,7 @@
                 <a:ea typeface="Calibri" panose="020F0502020204030204" pitchFamily="34" charset="0"/>
                 <a:cs typeface="TH Sarabun New" panose="020B0500040200020003" pitchFamily="34" charset="-34"/>
               </a:rPr>
-              <a:t>แก้ไข้ข้อผิดพลาดในการเก็บข้อมูล กรณีอุปกรณ์ที่ไม่ได้รับ </a:t>
-            </a:r>
-            <a:r>
-              <a:rPr lang="en-US" sz="3600" dirty="0">
-                <a:solidFill>
-                  <a:srgbClr val="012F41"/>
-                </a:solidFill>
-                <a:latin typeface="TH Sarabun New" panose="020B0500040200020003" pitchFamily="34" charset="-34"/>
-                <a:ea typeface="Calibri" panose="020F0502020204030204" pitchFamily="34" charset="0"/>
-                <a:cs typeface="TH Sarabun New" panose="020B0500040200020003" pitchFamily="34" charset="-34"/>
-              </a:rPr>
-              <a:t>IPv4</a:t>
-            </a:r>
-          </a:p>
-          <a:p>
-            <a:pPr marL="571500" indent="-571500">
-              <a:lnSpc>
-                <a:spcPct val="115000"/>
-              </a:lnSpc>
-              <a:spcAft>
-                <a:spcPts val="1000"/>
-              </a:spcAft>
-              <a:buFont typeface="Arial" panose="020B0604020202020204" pitchFamily="34" charset="0"/>
-              <a:buChar char="•"/>
-            </a:pPr>
-            <a:r>
-              <a:rPr lang="th-TH" sz="3600" dirty="0">
-                <a:solidFill>
-                  <a:srgbClr val="012F41"/>
-                </a:solidFill>
-                <a:latin typeface="TH Sarabun New" panose="020B0500040200020003" pitchFamily="34" charset="-34"/>
-                <a:ea typeface="Calibri" panose="020F0502020204030204" pitchFamily="34" charset="0"/>
-                <a:cs typeface="TH Sarabun New" panose="020B0500040200020003" pitchFamily="34" charset="-34"/>
-              </a:rPr>
-              <a:t>ปรับปรุงเว็บแอปพลิเคชั่นในการเรียกข้อมูลไปแสดงผล โดยเว็บแอปพลิเคชั่นสามารถแสดงสถิติข้อมูลและค้นหา ข้อมูลการใช้ตามคำค้นหา ได้</a:t>
+              <a:t>ปรับปรุงเว็บแอปพลิเคชั่นในการเรียกข้อมูลไปแสดงผล</a:t>
             </a:r>
             <a:endParaRPr lang="en-US" sz="3600" dirty="0">
               <a:solidFill>
@@ -20816,9 +21268,6 @@
                     <p:cTn id="3" fill="hold">
                       <p:stCondLst>
                         <p:cond delay="indefinite"/>
-                        <p:cond evt="onBegin" delay="0">
-                          <p:tn val="2"/>
-                        </p:cond>
                       </p:stCondLst>
                       <p:childTnLst>
                         <p:par>
@@ -20828,7 +21277,7 @@
                             </p:stCondLst>
                             <p:childTnLst>
                               <p:par>
-                                <p:cTn id="5" presetID="10" presetClass="entr" presetSubtype="0" fill="hold" nodeType="afterEffect">
+                                <p:cTn id="5" presetID="10" presetClass="entr" presetSubtype="0" fill="hold" nodeType="clickEffect">
                                   <p:stCondLst>
                                     <p:cond delay="0"/>
                                   </p:stCondLst>
@@ -20870,106 +21319,6 @@
                                   </p:childTnLst>
                                 </p:cTn>
                               </p:par>
-                              <p:par>
-                                <p:cTn id="8" presetID="9" presetClass="emph" presetSubtype="0" nodeType="withEffect">
-                                  <p:stCondLst>
-                                    <p:cond delay="0"/>
-                                  </p:stCondLst>
-                                  <p:childTnLst>
-                                    <p:set>
-                                      <p:cBhvr rctx="PPT">
-                                        <p:cTn id="9" dur="indefinite"/>
-                                        <p:tgtEl>
-                                          <p:spTgt spid="5">
-                                            <p:txEl>
-                                              <p:pRg st="0" end="0"/>
-                                            </p:txEl>
-                                          </p:spTgt>
-                                        </p:tgtEl>
-                                        <p:attrNameLst>
-                                          <p:attrName>style.opacity</p:attrName>
-                                        </p:attrNameLst>
-                                      </p:cBhvr>
-                                      <p:to>
-                                        <p:strVal val="0.25"/>
-                                      </p:to>
-                                    </p:set>
-                                    <p:animEffect filter="image" prLst="opacity: 0.25">
-                                      <p:cBhvr rctx="IE">
-                                        <p:cTn id="10" dur="indefinite"/>
-                                        <p:tgtEl>
-                                          <p:spTgt spid="5">
-                                            <p:txEl>
-                                              <p:pRg st="0" end="0"/>
-                                            </p:txEl>
-                                          </p:spTgt>
-                                        </p:tgtEl>
-                                      </p:cBhvr>
-                                    </p:animEffect>
-                                  </p:childTnLst>
-                                </p:cTn>
-                              </p:par>
-                            </p:childTnLst>
-                          </p:cTn>
-                        </p:par>
-                      </p:childTnLst>
-                    </p:cTn>
-                  </p:par>
-                  <p:par>
-                    <p:cTn id="11" fill="hold">
-                      <p:stCondLst>
-                        <p:cond delay="indefinite"/>
-                      </p:stCondLst>
-                      <p:childTnLst>
-                        <p:par>
-                          <p:cTn id="12" fill="hold">
-                            <p:stCondLst>
-                              <p:cond delay="0"/>
-                            </p:stCondLst>
-                            <p:childTnLst>
-                              <p:par>
-                                <p:cTn id="13" presetID="10" presetClass="entr" presetSubtype="0" fill="hold" nodeType="clickEffect">
-                                  <p:stCondLst>
-                                    <p:cond delay="0"/>
-                                  </p:stCondLst>
-                                  <p:childTnLst>
-                                    <p:set>
-                                      <p:cBhvr>
-                                        <p:cTn id="14" dur="1" fill="hold">
-                                          <p:stCondLst>
-                                            <p:cond delay="0"/>
-                                          </p:stCondLst>
-                                        </p:cTn>
-                                        <p:tgtEl>
-                                          <p:spTgt spid="5">
-                                            <p:txEl>
-                                              <p:pRg st="1" end="1"/>
-                                            </p:txEl>
-                                          </p:spTgt>
-                                        </p:tgtEl>
-                                        <p:attrNameLst>
-                                          <p:attrName>style.visibility</p:attrName>
-                                        </p:attrNameLst>
-                                      </p:cBhvr>
-                                      <p:to>
-                                        <p:strVal val="visible"/>
-                                      </p:to>
-                                    </p:set>
-                                    <p:animEffect transition="in" filter="fade">
-                                      <p:cBhvr>
-                                        <p:cTn id="15" dur="500"/>
-                                        <p:tgtEl>
-                                          <p:spTgt spid="5">
-                                            <p:txEl>
-                                              <p:pRg st="1" end="1"/>
-                                            </p:txEl>
-                                          </p:spTgt>
-                                        </p:tgtEl>
-                                      </p:cBhvr>
-                                    </p:animEffect>
-                                  </p:childTnLst>
-                                </p:cTn>
-                              </p:par>
                             </p:childTnLst>
                           </p:cTn>
                         </p:par>
@@ -21001,7 +21350,7 @@
 </p:sld>
 </file>
 
-<file path=ppt/slides/slide31.xml><?xml version="1.0" encoding="utf-8"?>
+<file path=ppt/slides/slide33.xml><?xml version="1.0" encoding="utf-8"?>
 <p:sld xmlns:a="http://schemas.openxmlformats.org/drawingml/2006/main" xmlns:r="http://schemas.openxmlformats.org/officeDocument/2006/relationships" xmlns:p="http://schemas.openxmlformats.org/presentationml/2006/main">
   <p:cSld>
     <p:bg>
@@ -21089,7 +21438,7 @@
           <a:p>
             <a:fld id="{D8CEF996-85C1-4A65-AD9A-9893602DE651}" type="slidenum">
               <a:rPr lang="en-US" smtClean="0"/>
-              <a:t>31</a:t>
+              <a:t>33</a:t>
             </a:fld>
             <a:endParaRPr lang="en-US"/>
           </a:p>
@@ -21111,7 +21460,7 @@
 </p:sld>
 </file>
 
-<file path=ppt/slides/slide32.xml><?xml version="1.0" encoding="utf-8"?>
+<file path=ppt/slides/slide34.xml><?xml version="1.0" encoding="utf-8"?>
 <p:sld xmlns:a="http://schemas.openxmlformats.org/drawingml/2006/main" xmlns:r="http://schemas.openxmlformats.org/officeDocument/2006/relationships" xmlns:p="http://schemas.openxmlformats.org/presentationml/2006/main">
   <p:cSld>
     <p:spTree>
@@ -21254,7 +21603,7 @@
           <a:p>
             <a:fld id="{85EABC1E-312D-42F2-AC14-532A862C1486}" type="slidenum">
               <a:rPr lang="th-TH" sz="3000"/>
-              <a:t>32</a:t>
+              <a:t>34</a:t>
             </a:fld>
             <a:endParaRPr lang="th-TH" sz="3000"/>
           </a:p>
@@ -24605,7 +24954,7 @@
 </p:sld>
 </file>
 
-<file path=ppt/slides/slide33.xml><?xml version="1.0" encoding="utf-8"?>
+<file path=ppt/slides/slide35.xml><?xml version="1.0" encoding="utf-8"?>
 <p:sld xmlns:a="http://schemas.openxmlformats.org/drawingml/2006/main" xmlns:r="http://schemas.openxmlformats.org/officeDocument/2006/relationships" xmlns:p="http://schemas.openxmlformats.org/presentationml/2006/main">
   <p:cSld>
     <p:spTree>
@@ -24639,7 +24988,7 @@
           <a:p>
             <a:fld id="{85EABC1E-312D-42F2-AC14-532A862C1486}" type="slidenum">
               <a:rPr lang="th-TH" sz="3000"/>
-              <a:t>33</a:t>
+              <a:t>35</a:t>
             </a:fld>
             <a:endParaRPr lang="th-TH" sz="3000"/>
           </a:p>
@@ -24839,7 +25188,7 @@
 </p:sld>
 </file>
 
-<file path=ppt/slides/slide34.xml><?xml version="1.0" encoding="utf-8"?>
+<file path=ppt/slides/slide36.xml><?xml version="1.0" encoding="utf-8"?>
 <p:sld xmlns:a="http://schemas.openxmlformats.org/drawingml/2006/main" xmlns:r="http://schemas.openxmlformats.org/officeDocument/2006/relationships" xmlns:p="http://schemas.openxmlformats.org/presentationml/2006/main">
   <p:cSld>
     <p:spTree>
@@ -24919,7 +25268,7 @@
           <a:p>
             <a:fld id="{85EABC1E-312D-42F2-AC14-532A862C1486}" type="slidenum">
               <a:rPr lang="th-TH" sz="3000"/>
-              <a:t>34</a:t>
+              <a:t>36</a:t>
             </a:fld>
             <a:endParaRPr lang="th-TH" sz="3000"/>
           </a:p>
@@ -25789,7 +26138,7 @@
 </p:sld>
 </file>
 
-<file path=ppt/slides/slide35.xml><?xml version="1.0" encoding="utf-8"?>
+<file path=ppt/slides/slide37.xml><?xml version="1.0" encoding="utf-8"?>
 <p:sld xmlns:a="http://schemas.openxmlformats.org/drawingml/2006/main" xmlns:r="http://schemas.openxmlformats.org/officeDocument/2006/relationships" xmlns:p="http://schemas.openxmlformats.org/presentationml/2006/main">
   <p:cSld>
     <p:bg>
@@ -25877,7 +26226,7 @@
           <a:p>
             <a:fld id="{D8CEF996-85C1-4A65-AD9A-9893602DE651}" type="slidenum">
               <a:rPr lang="en-US" sz="2800" smtClean="0"/>
-              <a:t>35</a:t>
+              <a:t>37</a:t>
             </a:fld>
             <a:endParaRPr lang="en-US" sz="2800"/>
           </a:p>
@@ -25899,7 +26248,7 @@
 </p:sld>
 </file>
 
-<file path=ppt/slides/slide36.xml><?xml version="1.0" encoding="utf-8"?>
+<file path=ppt/slides/slide38.xml><?xml version="1.0" encoding="utf-8"?>
 <p:sld xmlns:a="http://schemas.openxmlformats.org/drawingml/2006/main" xmlns:r="http://schemas.openxmlformats.org/officeDocument/2006/relationships" xmlns:p="http://schemas.openxmlformats.org/presentationml/2006/main">
   <p:cSld>
     <p:bg>
@@ -25987,7 +26336,7 @@
           <a:p>
             <a:fld id="{D8CEF996-85C1-4A65-AD9A-9893602DE651}" type="slidenum">
               <a:rPr lang="en-US" sz="2800" smtClean="0"/>
-              <a:t>36</a:t>
+              <a:t>38</a:t>
             </a:fld>
             <a:endParaRPr lang="en-US" sz="2800"/>
           </a:p>
@@ -26018,7 +26367,7 @@
 </p:sld>
 </file>
 
-<file path=ppt/slides/slide37.xml><?xml version="1.0" encoding="utf-8"?>
+<file path=ppt/slides/slide39.xml><?xml version="1.0" encoding="utf-8"?>
 <p:sld xmlns:a="http://schemas.openxmlformats.org/drawingml/2006/main" xmlns:r="http://schemas.openxmlformats.org/officeDocument/2006/relationships" xmlns:p="http://schemas.openxmlformats.org/presentationml/2006/main">
   <p:cSld>
     <p:spTree>
@@ -26090,7 +26439,7 @@
           <a:p>
             <a:fld id="{D8CEF996-85C1-4A65-AD9A-9893602DE651}" type="slidenum">
               <a:rPr lang="en-US" smtClean="0"/>
-              <a:t>37</a:t>
+              <a:t>39</a:t>
             </a:fld>
             <a:endParaRPr lang="en-US"/>
           </a:p>
